--- a/src/examples/text_styles/text_styles.pptx
+++ b/src/examples/text_styles/text_styles.pptx
@@ -2,11 +2,11 @@
 <file path=ppt/presentation.xml><?xml version="1.0" encoding="utf-8"?>
 <p:presentation xmlns:p="http://schemas.openxmlformats.org/presentationml/2006/main" showSpecialPlsOnTitleSld="0">
   <p:sldMasterIdLst>
-    <p:sldMasterId xmlns:r="http://schemas.openxmlformats.org/officeDocument/2006/relationships" id="2147483648" r:id="R1a024bc096cc4e61"/>
+    <p:sldMasterId xmlns:r="http://schemas.openxmlformats.org/officeDocument/2006/relationships" id="2147483648" r:id="R8bee3fbfdba048db"/>
   </p:sldMasterIdLst>
   <p:sldIdLst>
-    <p:sldId xmlns:r="http://schemas.openxmlformats.org/officeDocument/2006/relationships" id="257" r:id="Ra0bdc02ece914f94"/>
-    <p:sldId xmlns:r="http://schemas.openxmlformats.org/officeDocument/2006/relationships" id="258" r:id="R727fa04b71264554"/>
+    <p:sldId xmlns:r="http://schemas.openxmlformats.org/officeDocument/2006/relationships" id="257" r:id="R333b1ee66b104e4a"/>
+    <p:sldId xmlns:r="http://schemas.openxmlformats.org/officeDocument/2006/relationships" id="258" r:id="Refdfb8959bb94c17"/>
   </p:sldIdLst>
   <p:sldSz cx="9144000" cy="6858000" type="screen4x3"/>
   <p:notesSz cx="6858000" cy="9144000"/>
@@ -48,6 +48,9 @@
             <a:off x="288000" y="288000"/>
             <a:ext cx="8568000" cy="828000"/>
           </a:xfrm>
+          <a:prstGeom xmlns:a="http://schemas.openxmlformats.org/drawingml/2006/main" prst="rect">
+            <a:avLst/>
+          </a:prstGeom>
         </p:spPr>
         <p:txBody>
           <a:bodyPr xmlns:a="http://schemas.openxmlformats.org/drawingml/2006/main">
@@ -75,6 +78,9 @@
             <a:off x="288000" y="1152000"/>
             <a:ext cx="8568000" cy="5094000"/>
           </a:xfrm>
+          <a:prstGeom xmlns:a="http://schemas.openxmlformats.org/drawingml/2006/main" prst="rect">
+            <a:avLst/>
+          </a:prstGeom>
         </p:spPr>
         <p:txBody>
           <a:bodyPr xmlns:a="http://schemas.openxmlformats.org/drawingml/2006/main">
@@ -102,6 +108,9 @@
             <a:off x="8568000" y="6282000"/>
             <a:ext cx="288000" cy="288000"/>
           </a:xfrm>
+          <a:prstGeom xmlns:a="http://schemas.openxmlformats.org/drawingml/2006/main" prst="rect">
+            <a:avLst/>
+          </a:prstGeom>
         </p:spPr>
         <p:txBody>
           <a:bodyPr xmlns:a="http://schemas.openxmlformats.org/drawingml/2006/main" wrap="none"/>
@@ -111,7 +120,7 @@
             </a:lvl1pPr>
           </a:lstStyle>
           <a:p xmlns:a="http://schemas.openxmlformats.org/drawingml/2006/main">
-            <a:fld id="{097357D6-F74B-49BF-84D2-1D0A462512F6}" type="slidenum">
+            <a:fld id="{3F986820-C4CF-4D2A-8B90-504B51753A64}" type="slidenum">
               <a:t>‹#›</a:t>
             </a:fld>
           </a:p>
@@ -156,6 +165,9 @@
             <a:off x="288000" y="288000"/>
             <a:ext cx="8568000" cy="828000"/>
           </a:xfrm>
+          <a:prstGeom xmlns:a="http://schemas.openxmlformats.org/drawingml/2006/main" prst="rect">
+            <a:avLst/>
+          </a:prstGeom>
         </p:spPr>
         <p:txBody>
           <a:bodyPr xmlns:a="http://schemas.openxmlformats.org/drawingml/2006/main">
@@ -183,6 +195,9 @@
             <a:off x="288000" y="1152000"/>
             <a:ext cx="8568000" cy="5094000"/>
           </a:xfrm>
+          <a:prstGeom xmlns:a="http://schemas.openxmlformats.org/drawingml/2006/main" prst="rect">
+            <a:avLst/>
+          </a:prstGeom>
         </p:spPr>
         <p:txBody>
           <a:bodyPr xmlns:a="http://schemas.openxmlformats.org/drawingml/2006/main">
@@ -210,6 +225,9 @@
             <a:off x="8568000" y="6282000"/>
             <a:ext cx="288000" cy="288000"/>
           </a:xfrm>
+          <a:prstGeom xmlns:a="http://schemas.openxmlformats.org/drawingml/2006/main" prst="rect">
+            <a:avLst/>
+          </a:prstGeom>
         </p:spPr>
         <p:txBody>
           <a:bodyPr xmlns:a="http://schemas.openxmlformats.org/drawingml/2006/main" wrap="none"/>
@@ -219,7 +237,7 @@
             </a:lvl1pPr>
           </a:lstStyle>
           <a:p xmlns:a="http://schemas.openxmlformats.org/drawingml/2006/main">
-            <a:fld id="{097357D6-F74B-49BF-84D2-1D0A462512F6}" type="slidenum">
+            <a:fld id="{3F986820-C4CF-4D2A-8B90-504B51753A64}" type="slidenum">
               <a:t>‹#›</a:t>
             </a:fld>
           </a:p>
@@ -229,7 +247,7 @@
   </p:cSld>
   <p:clrMap bg1="lt1" tx1="dk1" bg2="lt2" tx2="dk2" accent1="accent1" accent2="accent2" accent3="accent3" accent4="accent4" accent5="accent5" accent6="accent6" hlink="hlink" folHlink="folHlink"/>
   <p:sldLayoutIdLst>
-    <p:sldLayoutId xmlns:r="http://schemas.openxmlformats.org/officeDocument/2006/relationships" id="2147483650" r:id="Ree161a7f12cf4fc9"/>
+    <p:sldLayoutId xmlns:r="http://schemas.openxmlformats.org/officeDocument/2006/relationships" id="2147483650" r:id="R91f42fe6d2b84572"/>
   </p:sldLayoutIdLst>
   <p:txStyles>
     <p:titleStyle>
@@ -397,6 +415,9 @@
             <a:off x="288000" y="288000"/>
             <a:ext cx="8568000" cy="828000"/>
           </a:xfrm>
+          <a:prstGeom xmlns:a="http://schemas.openxmlformats.org/drawingml/2006/main" prst="rect">
+            <a:avLst/>
+          </a:prstGeom>
         </p:spPr>
         <p:txBody>
           <a:bodyPr xmlns:a="http://schemas.openxmlformats.org/drawingml/2006/main">
@@ -427,6 +448,9 @@
             <a:off x="8568000" y="6282000"/>
             <a:ext cx="288000" cy="288000"/>
           </a:xfrm>
+          <a:prstGeom xmlns:a="http://schemas.openxmlformats.org/drawingml/2006/main" prst="rect">
+            <a:avLst/>
+          </a:prstGeom>
         </p:spPr>
         <p:txBody>
           <a:bodyPr xmlns:a="http://schemas.openxmlformats.org/drawingml/2006/main" wrap="none"/>
@@ -436,7 +460,7 @@
             </a:lvl1pPr>
           </a:lstStyle>
           <a:p xmlns:a="http://schemas.openxmlformats.org/drawingml/2006/main">
-            <a:fld id="{097357D6-F74B-49BF-84D2-1D0A462512F6}" type="slidenum">
+            <a:fld id="{3F986820-C4CF-4D2A-8B90-504B51753A64}" type="slidenum">
               <a:t>‹#›</a:t>
             </a:fld>
           </a:p>
@@ -457,6 +481,9 @@
             <a:off x="288000" y="1152000"/>
             <a:ext cx="8568000" cy="1937400"/>
           </a:xfrm>
+          <a:prstGeom xmlns:a="http://schemas.openxmlformats.org/drawingml/2006/main" prst="rect">
+            <a:avLst/>
+          </a:prstGeom>
         </p:spPr>
         <p:txBody>
           <a:bodyPr xmlns:a="http://schemas.openxmlformats.org/drawingml/2006/main">
@@ -611,7 +638,7 @@
             </a:r>
             <a:r>
               <a:rPr>
-                <a:hlinkClick xmlns:r="http://schemas.openxmlformats.org/officeDocument/2006/relationships" r:id="Rd96a54dfbcbd424a"/>
+                <a:hlinkClick xmlns:r="http://schemas.openxmlformats.org/officeDocument/2006/relationships" r:id="Rcc23dfaa5c134f59"/>
               </a:rPr>
               <a:t>&lt;https://example.org/autolink&gt;</a:t>
             </a:r>
@@ -620,7 +647,7 @@
             </a:r>
             <a:r>
               <a:rPr>
-                <a:hlinkClick xmlns:r="http://schemas.openxmlformats.org/officeDocument/2006/relationships" r:id="Rb95f4c9f2bf34273"/>
+                <a:hlinkClick xmlns:r="http://schemas.openxmlformats.org/officeDocument/2006/relationships" r:id="R441210ef1fae44e2"/>
               </a:rPr>
               <a:t>link</a:t>
             </a:r>
@@ -629,7 +656,7 @@
             </a:r>
             <a:r>
               <a:rPr>
-                <a:hlinkClick xmlns:r="http://schemas.openxmlformats.org/officeDocument/2006/relationships" r:id="Rec31039ea2f64307" tooltip="foo"/>
+                <a:hlinkClick xmlns:r="http://schemas.openxmlformats.org/officeDocument/2006/relationships" r:id="Rf1e7633fb56a479a" tooltip="foo"/>
               </a:rPr>
               <a:t>link with title</a:t>
             </a:r>
@@ -646,15 +673,14 @@
           <p:cNvSpPr>
             <a:spLocks xmlns:a="http://schemas.openxmlformats.org/drawingml/2006/main" noGrp="1"/>
           </p:cNvSpPr>
-          <p:nvPr>
-            <p:ph type="body"/>
-          </p:nvPr>
+          <p:nvPr/>
         </p:nvSpPr>
         <p:spPr>
           <a:xfrm xmlns:a="http://schemas.openxmlformats.org/drawingml/2006/main">
             <a:off x="288000" y="3089400"/>
             <a:ext cx="8568000" cy="1937400"/>
           </a:xfrm>
+          <a:prstGeom xmlns:a="http://schemas.openxmlformats.org/drawingml/2006/main" prst="rect"/>
         </p:spPr>
         <p:txBody>
           <a:bodyPr xmlns:a="http://schemas.openxmlformats.org/drawingml/2006/main">
@@ -816,15 +842,14 @@
           <p:cNvSpPr>
             <a:spLocks xmlns:a="http://schemas.openxmlformats.org/drawingml/2006/main" noGrp="1"/>
           </p:cNvSpPr>
-          <p:nvPr>
-            <p:ph type="body"/>
-          </p:nvPr>
+          <p:nvPr/>
         </p:nvSpPr>
         <p:spPr>
           <a:xfrm xmlns:a="http://schemas.openxmlformats.org/drawingml/2006/main">
             <a:off x="288000" y="5026800"/>
             <a:ext cx="8568000" cy="609600"/>
           </a:xfrm>
+          <a:prstGeom xmlns:a="http://schemas.openxmlformats.org/drawingml/2006/main" prst="rect"/>
         </p:spPr>
         <p:txBody>
           <a:bodyPr xmlns:a="http://schemas.openxmlformats.org/drawingml/2006/main" anchor="ctr">
@@ -954,15 +979,14 @@
           <p:cNvSpPr>
             <a:spLocks xmlns:a="http://schemas.openxmlformats.org/drawingml/2006/main" noGrp="1"/>
           </p:cNvSpPr>
-          <p:nvPr>
-            <p:ph type="body"/>
-          </p:nvPr>
+          <p:nvPr/>
         </p:nvSpPr>
         <p:spPr>
           <a:xfrm xmlns:a="http://schemas.openxmlformats.org/drawingml/2006/main">
             <a:off x="288000" y="5636400"/>
             <a:ext cx="4284000" cy="609600"/>
           </a:xfrm>
+          <a:prstGeom xmlns:a="http://schemas.openxmlformats.org/drawingml/2006/main" prst="rect"/>
         </p:spPr>
         <p:txBody>
           <a:bodyPr xmlns:a="http://schemas.openxmlformats.org/drawingml/2006/main" anchor="ctr">
@@ -1092,7 +1116,7 @@
       </p:sp>
       <p:pic>
         <p:nvPicPr>
-          <p:cNvPr id="8" name="" descr=""/>
+          <p:cNvPr id="8" name="" descr="Sky Clouds"/>
           <p:cNvPicPr preferRelativeResize="1">
             <a:picLocks xmlns:a="http://schemas.openxmlformats.org/drawingml/2006/main" noChangeAspect="1"/>
           </p:cNvPicPr>
@@ -1101,7 +1125,7 @@
           </p:nvPr>
         </p:nvPicPr>
         <p:blipFill>
-          <a:blip xmlns:r="http://schemas.openxmlformats.org/officeDocument/2006/relationships" xmlns:a="http://schemas.openxmlformats.org/drawingml/2006/main" r:embed="Rd3149ea76adb46cc"/>
+          <a:blip xmlns:r="http://schemas.openxmlformats.org/officeDocument/2006/relationships" xmlns:a="http://schemas.openxmlformats.org/drawingml/2006/main" r:embed="Rcc5d6a61f0df4bdb"/>
           <a:stretch xmlns:a="http://schemas.openxmlformats.org/drawingml/2006/main">
             <a:fillRect/>
           </a:stretch>
@@ -1155,6 +1179,9 @@
             <a:off x="288000" y="288000"/>
             <a:ext cx="8568000" cy="828000"/>
           </a:xfrm>
+          <a:prstGeom xmlns:a="http://schemas.openxmlformats.org/drawingml/2006/main" prst="rect">
+            <a:avLst/>
+          </a:prstGeom>
         </p:spPr>
         <p:txBody>
           <a:bodyPr xmlns:a="http://schemas.openxmlformats.org/drawingml/2006/main">
@@ -1185,6 +1212,9 @@
             <a:off x="8568000" y="6282000"/>
             <a:ext cx="288000" cy="288000"/>
           </a:xfrm>
+          <a:prstGeom xmlns:a="http://schemas.openxmlformats.org/drawingml/2006/main" prst="rect">
+            <a:avLst/>
+          </a:prstGeom>
         </p:spPr>
         <p:txBody>
           <a:bodyPr xmlns:a="http://schemas.openxmlformats.org/drawingml/2006/main" wrap="none"/>
@@ -1194,7 +1224,7 @@
             </a:lvl1pPr>
           </a:lstStyle>
           <a:p xmlns:a="http://schemas.openxmlformats.org/drawingml/2006/main">
-            <a:fld id="{097357D6-F74B-49BF-84D2-1D0A462512F6}" type="slidenum">
+            <a:fld id="{3F986820-C4CF-4D2A-8B90-504B51753A64}" type="slidenum">
               <a:t>‹#›</a:t>
             </a:fld>
           </a:p>
@@ -1215,6 +1245,9 @@
             <a:off x="288000" y="1152000"/>
             <a:ext cx="8568000" cy="1698000"/>
           </a:xfrm>
+          <a:prstGeom xmlns:a="http://schemas.openxmlformats.org/drawingml/2006/main" prst="rect">
+            <a:avLst/>
+          </a:prstGeom>
         </p:spPr>
         <p:txBody>
           <a:bodyPr xmlns:a="http://schemas.openxmlformats.org/drawingml/2006/main" anchor="ctr">
@@ -1358,15 +1391,14 @@
           <p:cNvSpPr>
             <a:spLocks xmlns:a="http://schemas.openxmlformats.org/drawingml/2006/main" noGrp="1"/>
           </p:cNvSpPr>
-          <p:nvPr>
-            <p:ph type="body"/>
-          </p:nvPr>
+          <p:nvPr/>
         </p:nvSpPr>
         <p:spPr>
           <a:xfrm xmlns:a="http://schemas.openxmlformats.org/drawingml/2006/main">
             <a:off x="288000" y="2850000"/>
             <a:ext cx="1905000" cy="849000"/>
           </a:xfrm>
+          <a:prstGeom xmlns:a="http://schemas.openxmlformats.org/drawingml/2006/main" prst="rect"/>
         </p:spPr>
         <p:txBody>
           <a:bodyPr xmlns:a="http://schemas.openxmlformats.org/drawingml/2006/main" anchor="ctr">
@@ -1496,15 +1528,14 @@
           <p:cNvSpPr>
             <a:spLocks xmlns:a="http://schemas.openxmlformats.org/drawingml/2006/main" noGrp="1"/>
           </p:cNvSpPr>
-          <p:nvPr>
-            <p:ph type="body"/>
-          </p:nvPr>
+          <p:nvPr/>
         </p:nvSpPr>
         <p:spPr>
           <a:xfrm xmlns:a="http://schemas.openxmlformats.org/drawingml/2006/main">
             <a:off x="2193000" y="2850000"/>
             <a:ext cx="6663000" cy="849000"/>
           </a:xfrm>
+          <a:prstGeom xmlns:a="http://schemas.openxmlformats.org/drawingml/2006/main" prst="rect"/>
         </p:spPr>
         <p:txBody>
           <a:bodyPr xmlns:a="http://schemas.openxmlformats.org/drawingml/2006/main" anchor="ctr">
@@ -1634,15 +1665,14 @@
           <p:cNvSpPr>
             <a:spLocks xmlns:a="http://schemas.openxmlformats.org/drawingml/2006/main" noGrp="1"/>
           </p:cNvSpPr>
-          <p:nvPr>
-            <p:ph type="body"/>
-          </p:nvPr>
+          <p:nvPr/>
         </p:nvSpPr>
         <p:spPr>
           <a:xfrm xmlns:a="http://schemas.openxmlformats.org/drawingml/2006/main">
             <a:off x="288000" y="3699000"/>
             <a:ext cx="1905000" cy="849000"/>
           </a:xfrm>
+          <a:prstGeom xmlns:a="http://schemas.openxmlformats.org/drawingml/2006/main" prst="rect"/>
         </p:spPr>
         <p:txBody>
           <a:bodyPr xmlns:a="http://schemas.openxmlformats.org/drawingml/2006/main" anchor="ctr">
@@ -1772,15 +1802,14 @@
           <p:cNvSpPr>
             <a:spLocks xmlns:a="http://schemas.openxmlformats.org/drawingml/2006/main" noGrp="1"/>
           </p:cNvSpPr>
-          <p:nvPr>
-            <p:ph type="body"/>
-          </p:nvPr>
+          <p:nvPr/>
         </p:nvSpPr>
         <p:spPr>
           <a:xfrm xmlns:a="http://schemas.openxmlformats.org/drawingml/2006/main">
             <a:off x="2193000" y="3699000"/>
             <a:ext cx="6663000" cy="849000"/>
           </a:xfrm>
+          <a:prstGeom xmlns:a="http://schemas.openxmlformats.org/drawingml/2006/main" prst="rect"/>
         </p:spPr>
         <p:txBody>
           <a:bodyPr xmlns:a="http://schemas.openxmlformats.org/drawingml/2006/main" anchor="ctr">
@@ -1910,15 +1939,14 @@
           <p:cNvSpPr>
             <a:spLocks xmlns:a="http://schemas.openxmlformats.org/drawingml/2006/main" noGrp="1"/>
           </p:cNvSpPr>
-          <p:nvPr>
-            <p:ph type="body"/>
-          </p:nvPr>
+          <p:nvPr/>
         </p:nvSpPr>
         <p:spPr>
           <a:xfrm xmlns:a="http://schemas.openxmlformats.org/drawingml/2006/main">
             <a:off x="288000" y="4548000"/>
             <a:ext cx="1905000" cy="849000"/>
           </a:xfrm>
+          <a:prstGeom xmlns:a="http://schemas.openxmlformats.org/drawingml/2006/main" prst="rect"/>
         </p:spPr>
         <p:txBody>
           <a:bodyPr xmlns:a="http://schemas.openxmlformats.org/drawingml/2006/main" anchor="ctr">
@@ -2048,15 +2076,14 @@
           <p:cNvSpPr>
             <a:spLocks xmlns:a="http://schemas.openxmlformats.org/drawingml/2006/main" noGrp="1"/>
           </p:cNvSpPr>
-          <p:nvPr>
-            <p:ph type="body"/>
-          </p:nvPr>
+          <p:nvPr/>
         </p:nvSpPr>
         <p:spPr>
           <a:xfrm xmlns:a="http://schemas.openxmlformats.org/drawingml/2006/main">
             <a:off x="2193000" y="4548000"/>
             <a:ext cx="6663000" cy="849000"/>
           </a:xfrm>
+          <a:prstGeom xmlns:a="http://schemas.openxmlformats.org/drawingml/2006/main" prst="rect"/>
         </p:spPr>
         <p:txBody>
           <a:bodyPr xmlns:a="http://schemas.openxmlformats.org/drawingml/2006/main" anchor="ctr">
@@ -2186,15 +2213,14 @@
           <p:cNvSpPr>
             <a:spLocks xmlns:a="http://schemas.openxmlformats.org/drawingml/2006/main" noGrp="1"/>
           </p:cNvSpPr>
-          <p:nvPr>
-            <p:ph type="body"/>
-          </p:nvPr>
+          <p:nvPr/>
         </p:nvSpPr>
         <p:spPr>
           <a:xfrm xmlns:a="http://schemas.openxmlformats.org/drawingml/2006/main">
             <a:off x="288000" y="5397000"/>
             <a:ext cx="1905000" cy="849000"/>
           </a:xfrm>
+          <a:prstGeom xmlns:a="http://schemas.openxmlformats.org/drawingml/2006/main" prst="rect"/>
         </p:spPr>
         <p:txBody>
           <a:bodyPr xmlns:a="http://schemas.openxmlformats.org/drawingml/2006/main" anchor="ctr">
@@ -2324,15 +2350,14 @@
           <p:cNvSpPr>
             <a:spLocks xmlns:a="http://schemas.openxmlformats.org/drawingml/2006/main" noGrp="1"/>
           </p:cNvSpPr>
-          <p:nvPr>
-            <p:ph type="body"/>
-          </p:nvPr>
+          <p:nvPr/>
         </p:nvSpPr>
         <p:spPr>
           <a:xfrm xmlns:a="http://schemas.openxmlformats.org/drawingml/2006/main">
             <a:off x="2193000" y="5397000"/>
             <a:ext cx="6663000" cy="849000"/>
           </a:xfrm>
+          <a:prstGeom xmlns:a="http://schemas.openxmlformats.org/drawingml/2006/main" prst="rect"/>
         </p:spPr>
         <p:txBody>
           <a:bodyPr xmlns:a="http://schemas.openxmlformats.org/drawingml/2006/main" anchor="ctr">

--- a/src/examples/text_styles/text_styles.pptx
+++ b/src/examples/text_styles/text_styles.pptx
@@ -2,11 +2,11 @@
 <file path=ppt/presentation.xml><?xml version="1.0" encoding="utf-8"?>
 <p:presentation xmlns:p="http://schemas.openxmlformats.org/presentationml/2006/main" showSpecialPlsOnTitleSld="0">
   <p:sldMasterIdLst>
-    <p:sldMasterId xmlns:r="http://schemas.openxmlformats.org/officeDocument/2006/relationships" id="2147483648" r:id="R8bee3fbfdba048db"/>
+    <p:sldMasterId xmlns:r="http://schemas.openxmlformats.org/officeDocument/2006/relationships" id="2147483648" r:id="R263c6f9b28a44778"/>
   </p:sldMasterIdLst>
   <p:sldIdLst>
-    <p:sldId xmlns:r="http://schemas.openxmlformats.org/officeDocument/2006/relationships" id="257" r:id="R333b1ee66b104e4a"/>
-    <p:sldId xmlns:r="http://schemas.openxmlformats.org/officeDocument/2006/relationships" id="258" r:id="Refdfb8959bb94c17"/>
+    <p:sldId xmlns:r="http://schemas.openxmlformats.org/officeDocument/2006/relationships" id="257" r:id="Re9f97f70d2694b9b"/>
+    <p:sldId xmlns:r="http://schemas.openxmlformats.org/officeDocument/2006/relationships" id="258" r:id="R5de1081fd1264b60"/>
   </p:sldIdLst>
   <p:sldSz cx="9144000" cy="6858000" type="screen4x3"/>
   <p:notesSz cx="6858000" cy="9144000"/>
@@ -120,7 +120,7 @@
             </a:lvl1pPr>
           </a:lstStyle>
           <a:p xmlns:a="http://schemas.openxmlformats.org/drawingml/2006/main">
-            <a:fld id="{3F986820-C4CF-4D2A-8B90-504B51753A64}" type="slidenum">
+            <a:fld id="{BBF2B6D3-4618-4860-A514-F3C05FA57D00}" type="slidenum">
               <a:t>‹#›</a:t>
             </a:fld>
           </a:p>
@@ -237,7 +237,7 @@
             </a:lvl1pPr>
           </a:lstStyle>
           <a:p xmlns:a="http://schemas.openxmlformats.org/drawingml/2006/main">
-            <a:fld id="{3F986820-C4CF-4D2A-8B90-504B51753A64}" type="slidenum">
+            <a:fld id="{BBF2B6D3-4618-4860-A514-F3C05FA57D00}" type="slidenum">
               <a:t>‹#›</a:t>
             </a:fld>
           </a:p>
@@ -247,7 +247,7 @@
   </p:cSld>
   <p:clrMap bg1="lt1" tx1="dk1" bg2="lt2" tx2="dk2" accent1="accent1" accent2="accent2" accent3="accent3" accent4="accent4" accent5="accent5" accent6="accent6" hlink="hlink" folHlink="folHlink"/>
   <p:sldLayoutIdLst>
-    <p:sldLayoutId xmlns:r="http://schemas.openxmlformats.org/officeDocument/2006/relationships" id="2147483650" r:id="R91f42fe6d2b84572"/>
+    <p:sldLayoutId xmlns:r="http://schemas.openxmlformats.org/officeDocument/2006/relationships" id="2147483650" r:id="Rbc1416a4188f4616"/>
   </p:sldLayoutIdLst>
   <p:txStyles>
     <p:titleStyle>
@@ -460,7 +460,7 @@
             </a:lvl1pPr>
           </a:lstStyle>
           <a:p xmlns:a="http://schemas.openxmlformats.org/drawingml/2006/main">
-            <a:fld id="{3F986820-C4CF-4D2A-8B90-504B51753A64}" type="slidenum">
+            <a:fld id="{BBF2B6D3-4618-4860-A514-F3C05FA57D00}" type="slidenum">
               <a:t>‹#›</a:t>
             </a:fld>
           </a:p>
@@ -638,7 +638,7 @@
             </a:r>
             <a:r>
               <a:rPr>
-                <a:hlinkClick xmlns:r="http://schemas.openxmlformats.org/officeDocument/2006/relationships" r:id="Rcc23dfaa5c134f59"/>
+                <a:hlinkClick xmlns:r="http://schemas.openxmlformats.org/officeDocument/2006/relationships" r:id="R0e05a072f57b4fd2"/>
               </a:rPr>
               <a:t>&lt;https://example.org/autolink&gt;</a:t>
             </a:r>
@@ -647,7 +647,7 @@
             </a:r>
             <a:r>
               <a:rPr>
-                <a:hlinkClick xmlns:r="http://schemas.openxmlformats.org/officeDocument/2006/relationships" r:id="R441210ef1fae44e2"/>
+                <a:hlinkClick xmlns:r="http://schemas.openxmlformats.org/officeDocument/2006/relationships" r:id="R64463d5bd2ee48c1"/>
               </a:rPr>
               <a:t>link</a:t>
             </a:r>
@@ -656,7 +656,7 @@
             </a:r>
             <a:r>
               <a:rPr>
-                <a:hlinkClick xmlns:r="http://schemas.openxmlformats.org/officeDocument/2006/relationships" r:id="Rf1e7633fb56a479a" tooltip="foo"/>
+                <a:hlinkClick xmlns:r="http://schemas.openxmlformats.org/officeDocument/2006/relationships" r:id="Rdb1e576a9b724d50" tooltip="foo"/>
               </a:rPr>
               <a:t>link with title</a:t>
             </a:r>
@@ -1125,7 +1125,7 @@
           </p:nvPr>
         </p:nvPicPr>
         <p:blipFill>
-          <a:blip xmlns:r="http://schemas.openxmlformats.org/officeDocument/2006/relationships" xmlns:a="http://schemas.openxmlformats.org/drawingml/2006/main" r:embed="Rcc5d6a61f0df4bdb"/>
+          <a:blip xmlns:r="http://schemas.openxmlformats.org/officeDocument/2006/relationships" xmlns:a="http://schemas.openxmlformats.org/drawingml/2006/main" r:embed="R20b046b2a2584cfe"/>
           <a:stretch xmlns:a="http://schemas.openxmlformats.org/drawingml/2006/main">
             <a:fillRect/>
           </a:stretch>
@@ -1224,7 +1224,7 @@
             </a:lvl1pPr>
           </a:lstStyle>
           <a:p xmlns:a="http://schemas.openxmlformats.org/drawingml/2006/main">
-            <a:fld id="{3F986820-C4CF-4D2A-8B90-504B51753A64}" type="slidenum">
+            <a:fld id="{BBF2B6D3-4618-4860-A514-F3C05FA57D00}" type="slidenum">
               <a:t>‹#›</a:t>
             </a:fld>
           </a:p>
